--- a/PowerPoint/GitHubBasics.pptx
+++ b/PowerPoint/GitHubBasics.pptx
@@ -13,6 +13,8 @@
     <p:sldId id="263" r:id="rId7"/>
     <p:sldId id="258" r:id="rId8"/>
     <p:sldId id="259" r:id="rId9"/>
+    <p:sldId id="264" r:id="rId10"/>
+    <p:sldId id="265" r:id="rId11"/>
   </p:sldIdLst>
   <p:sldSz cx="12192000" cy="6858000"/>
   <p:notesSz cx="6858000" cy="9144000"/>
@@ -111,7 +113,20 @@
       </a:defRPr>
     </a:lvl9pPr>
   </p:defaultTextStyle>
+  <p:extLst>
+    <p:ext uri="{EFAFB233-063F-42B5-8137-9DF3F51BA10A}">
+      <p15:sldGuideLst xmlns:p15="http://schemas.microsoft.com/office/powerpoint/2012/main"/>
+    </p:ext>
+  </p:extLst>
 </p:presentation>
+</file>
+
+<file path=ppt/revisionInfo.xml><?xml version="1.0" encoding="utf-8"?>
+<p1510:revInfo xmlns:a="http://schemas.openxmlformats.org/drawingml/2006/main" xmlns:r="http://schemas.openxmlformats.org/officeDocument/2006/relationships" xmlns:p1510="http://schemas.microsoft.com/office/powerpoint/2015/10/main">
+  <p1510:revLst>
+    <p1510:client id="{AD80EA59-16D7-4E78-99D3-08A089171642}" v="22" dt="2023-06-20T21:39:40.616"/>
+  </p1510:revLst>
+</p1510:revInfo>
 </file>
 
 <file path=ppt/slideLayouts/slideLayout1.xml><?xml version="1.0" encoding="utf-8"?>
@@ -583,7 +598,7 @@
           <a:p>
             <a:fld id="{EA0C0817-A112-4847-8014-A94B7D2A4EA3}" type="datetime1">
               <a:rPr lang="en-US" smtClean="0"/>
-              <a:t>6/15/2023</a:t>
+              <a:t>6/28/2023</a:t>
             </a:fld>
             <a:endParaRPr lang="en-US" dirty="0"/>
           </a:p>
@@ -785,7 +800,7 @@
           <a:p>
             <a:fld id="{134F40B7-36AB-4376-BE14-EF7004D79BB9}" type="datetime1">
               <a:rPr lang="en-US" smtClean="0"/>
-              <a:t>6/15/2023</a:t>
+              <a:t>6/28/2023</a:t>
             </a:fld>
             <a:endParaRPr lang="en-US"/>
           </a:p>
@@ -965,7 +980,7 @@
           <a:p>
             <a:fld id="{FF87CAB8-DCAE-46A5-AADA-B3FAD11A54E0}" type="datetime1">
               <a:rPr lang="en-US" smtClean="0"/>
-              <a:t>6/15/2023</a:t>
+              <a:t>6/28/2023</a:t>
             </a:fld>
             <a:endParaRPr lang="en-US"/>
           </a:p>
@@ -1135,7 +1150,7 @@
           <a:p>
             <a:fld id="{7332B432-ACDA-4023-A761-2BAB76577B62}" type="datetime1">
               <a:rPr lang="en-US" smtClean="0"/>
-              <a:t>6/15/2023</a:t>
+              <a:t>6/28/2023</a:t>
             </a:fld>
             <a:endParaRPr lang="en-US"/>
           </a:p>
@@ -1734,7 +1749,7 @@
           <a:p>
             <a:fld id="{D9C646AA-F36E-4540-911D-FFFC0A0EF24A}" type="datetime1">
               <a:rPr lang="en-US" smtClean="0"/>
-              <a:t>6/15/2023</a:t>
+              <a:t>6/28/2023</a:t>
             </a:fld>
             <a:endParaRPr lang="en-US" dirty="0"/>
           </a:p>
@@ -2054,7 +2069,7 @@
           <a:p>
             <a:fld id="{69186D26-FA5F-4637-B602-B7C2DC34CFD4}" type="datetime1">
               <a:rPr lang="en-US" smtClean="0"/>
-              <a:t>6/15/2023</a:t>
+              <a:t>6/28/2023</a:t>
             </a:fld>
             <a:endParaRPr lang="en-US"/>
           </a:p>
@@ -2489,7 +2504,7 @@
           <a:p>
             <a:fld id="{8A7F15D8-96D1-4781-BC50-CA8A088B2FE4}" type="datetime1">
               <a:rPr lang="en-US" smtClean="0"/>
-              <a:t>6/15/2023</a:t>
+              <a:t>6/28/2023</a:t>
             </a:fld>
             <a:endParaRPr lang="en-US"/>
           </a:p>
@@ -2607,7 +2622,7 @@
           <a:p>
             <a:fld id="{F9A96C99-B8F8-4528-BD05-0E16E943DC09}" type="datetime1">
               <a:rPr lang="en-US" smtClean="0"/>
-              <a:t>6/15/2023</a:t>
+              <a:t>6/28/2023</a:t>
             </a:fld>
             <a:endParaRPr lang="en-US"/>
           </a:p>
@@ -2702,7 +2717,7 @@
           <a:p>
             <a:fld id="{03636942-C211-4B28-8DBD-C953E00AF71B}" type="datetime1">
               <a:rPr lang="en-US" smtClean="0"/>
-              <a:t>6/15/2023</a:t>
+              <a:t>6/28/2023</a:t>
             </a:fld>
             <a:endParaRPr lang="en-US"/>
           </a:p>
@@ -3119,7 +3134,7 @@
           <a:p>
             <a:fld id="{7E8D12A6-918A-48BD-8CB9-CA713993B0EA}" type="datetime1">
               <a:rPr lang="en-US" smtClean="0"/>
-              <a:t>6/15/2023</a:t>
+              <a:t>6/28/2023</a:t>
             </a:fld>
             <a:endParaRPr lang="en-US"/>
           </a:p>
@@ -3381,7 +3396,7 @@
             <a:fld id="{E778CE86-875F-4587-BCF6-FA054AFC0D53}" type="datetime1">
               <a:rPr lang="en-US" smtClean="0"/>
               <a:pPr/>
-              <a:t>6/15/2023</a:t>
+              <a:t>6/28/2023</a:t>
             </a:fld>
             <a:endParaRPr lang="en-US" dirty="0"/>
           </a:p>
@@ -3897,7 +3912,7 @@
           <a:p>
             <a:fld id="{F6FA2B21-3FCD-4721-B95C-427943F61125}" type="datetime1">
               <a:rPr lang="en-US" smtClean="0"/>
-              <a:t>6/15/2023</a:t>
+              <a:t>6/28/2023</a:t>
             </a:fld>
             <a:endParaRPr lang="en-US"/>
           </a:p>
@@ -4595,6 +4610,574 @@
 </p:sld>
 </file>
 
+<file path=ppt/slides/slide10.xml><?xml version="1.0" encoding="utf-8"?>
+<p:sld xmlns:a="http://schemas.openxmlformats.org/drawingml/2006/main" xmlns:r="http://schemas.openxmlformats.org/officeDocument/2006/relationships" xmlns:p="http://schemas.openxmlformats.org/presentationml/2006/main">
+  <p:cSld>
+    <p:spTree>
+      <p:nvGrpSpPr>
+        <p:cNvPr id="1" name=""/>
+        <p:cNvGrpSpPr/>
+        <p:nvPr/>
+      </p:nvGrpSpPr>
+      <p:grpSpPr>
+        <a:xfrm>
+          <a:off x="0" y="0"/>
+          <a:ext cx="0" cy="0"/>
+          <a:chOff x="0" y="0"/>
+          <a:chExt cx="0" cy="0"/>
+        </a:xfrm>
+      </p:grpSpPr>
+      <p:sp>
+        <p:nvSpPr>
+          <p:cNvPr id="2" name="Title 1">
+            <a:extLst>
+              <a:ext uri="{FF2B5EF4-FFF2-40B4-BE49-F238E27FC236}">
+                <a16:creationId xmlns:a16="http://schemas.microsoft.com/office/drawing/2014/main" id="{522ED606-73D6-3AF1-566A-48DBCA01A0F9}"/>
+              </a:ext>
+            </a:extLst>
+          </p:cNvPr>
+          <p:cNvSpPr>
+            <a:spLocks noGrp="1"/>
+          </p:cNvSpPr>
+          <p:nvPr>
+            <p:ph type="title"/>
+          </p:nvPr>
+        </p:nvSpPr>
+        <p:spPr/>
+        <p:txBody>
+          <a:bodyPr/>
+          <a:lstStyle/>
+          <a:p>
+            <a:r>
+              <a:rPr lang="en-US" dirty="0"/>
+              <a:t>Onto the Demo	</a:t>
+            </a:r>
+          </a:p>
+        </p:txBody>
+      </p:sp>
+      <p:sp>
+        <p:nvSpPr>
+          <p:cNvPr id="3" name="Content Placeholder 2">
+            <a:extLst>
+              <a:ext uri="{FF2B5EF4-FFF2-40B4-BE49-F238E27FC236}">
+                <a16:creationId xmlns:a16="http://schemas.microsoft.com/office/drawing/2014/main" id="{36CCC8AF-82A7-17A0-8280-E8476F2D5691}"/>
+              </a:ext>
+            </a:extLst>
+          </p:cNvPr>
+          <p:cNvSpPr>
+            <a:spLocks noGrp="1"/>
+          </p:cNvSpPr>
+          <p:nvPr>
+            <p:ph idx="1"/>
+          </p:nvPr>
+        </p:nvSpPr>
+        <p:spPr/>
+        <p:txBody>
+          <a:bodyPr>
+            <a:normAutofit fontScale="92500" lnSpcReduction="20000"/>
+          </a:bodyPr>
+          <a:lstStyle/>
+          <a:p>
+            <a:pPr marL="0" indent="0">
+              <a:buNone/>
+            </a:pPr>
+            <a:r>
+              <a:rPr lang="en-US" sz="1800" b="1" dirty="0"/>
+              <a:t>Setup</a:t>
+            </a:r>
+            <a:endParaRPr lang="en-US" b="1" dirty="0"/>
+          </a:p>
+          <a:p>
+            <a:r>
+              <a:rPr lang="en-US" dirty="0"/>
+              <a:t>Make GitHub accounts. </a:t>
+            </a:r>
+          </a:p>
+          <a:p>
+            <a:r>
+              <a:rPr lang="en-US" dirty="0"/>
+              <a:t>Clone the demo repository</a:t>
+            </a:r>
+          </a:p>
+          <a:p>
+            <a:r>
+              <a:rPr lang="en-US" dirty="0"/>
+              <a:t>Setup Personal Access Tokens (Over SSH) </a:t>
+            </a:r>
+          </a:p>
+          <a:p>
+            <a:pPr marL="0" indent="0">
+              <a:buNone/>
+            </a:pPr>
+            <a:endParaRPr lang="en-US" dirty="0"/>
+          </a:p>
+          <a:p>
+            <a:pPr marL="0" indent="0">
+              <a:buNone/>
+            </a:pPr>
+            <a:r>
+              <a:rPr lang="en-US" b="1" dirty="0"/>
+              <a:t>GitHub Actions</a:t>
+            </a:r>
+          </a:p>
+          <a:p>
+            <a:r>
+              <a:rPr lang="en-US" dirty="0"/>
+              <a:t>Creating branches</a:t>
+            </a:r>
+          </a:p>
+          <a:p>
+            <a:r>
+              <a:rPr lang="en-US" dirty="0"/>
+              <a:t>Making changes</a:t>
+            </a:r>
+          </a:p>
+          <a:p>
+            <a:r>
+              <a:rPr lang="en-US" dirty="0"/>
+              <a:t>Adding, Committing, Pushing, and making Pull Requests. </a:t>
+            </a:r>
+          </a:p>
+          <a:p>
+            <a:r>
+              <a:rPr lang="en-US" dirty="0"/>
+              <a:t>Handling mistakes and rollbacks</a:t>
+            </a:r>
+          </a:p>
+          <a:p>
+            <a:r>
+              <a:rPr lang="en-US" dirty="0"/>
+              <a:t>Managing merging conflicts</a:t>
+            </a:r>
+          </a:p>
+          <a:p>
+            <a:r>
+              <a:rPr lang="en-US" dirty="0"/>
+              <a:t>Repo cleanup</a:t>
+            </a:r>
+          </a:p>
+        </p:txBody>
+      </p:sp>
+    </p:spTree>
+    <p:extLst>
+      <p:ext uri="{BB962C8B-B14F-4D97-AF65-F5344CB8AC3E}">
+        <p14:creationId xmlns:p14="http://schemas.microsoft.com/office/powerpoint/2010/main" val="3712857184"/>
+      </p:ext>
+    </p:extLst>
+  </p:cSld>
+  <p:clrMapOvr>
+    <a:masterClrMapping/>
+  </p:clrMapOvr>
+  <p:timing>
+    <p:tnLst>
+      <p:par>
+        <p:cTn id="1" dur="indefinite" restart="never" nodeType="tmRoot">
+          <p:childTnLst>
+            <p:seq concurrent="1" nextAc="seek">
+              <p:cTn id="2" dur="indefinite" nodeType="mainSeq">
+                <p:childTnLst>
+                  <p:par>
+                    <p:cTn id="3" fill="hold">
+                      <p:stCondLst>
+                        <p:cond delay="indefinite"/>
+                      </p:stCondLst>
+                      <p:childTnLst>
+                        <p:par>
+                          <p:cTn id="4" fill="hold">
+                            <p:stCondLst>
+                              <p:cond delay="0"/>
+                            </p:stCondLst>
+                            <p:childTnLst>
+                              <p:par>
+                                <p:cTn id="5" presetID="1" presetClass="entr" presetSubtype="0" fill="hold" nodeType="clickEffect">
+                                  <p:stCondLst>
+                                    <p:cond delay="0"/>
+                                  </p:stCondLst>
+                                  <p:childTnLst>
+                                    <p:set>
+                                      <p:cBhvr>
+                                        <p:cTn id="6" dur="1" fill="hold">
+                                          <p:stCondLst>
+                                            <p:cond delay="0"/>
+                                          </p:stCondLst>
+                                        </p:cTn>
+                                        <p:tgtEl>
+                                          <p:spTgt spid="3">
+                                            <p:txEl>
+                                              <p:pRg st="0" end="0"/>
+                                            </p:txEl>
+                                          </p:spTgt>
+                                        </p:tgtEl>
+                                        <p:attrNameLst>
+                                          <p:attrName>style.visibility</p:attrName>
+                                        </p:attrNameLst>
+                                      </p:cBhvr>
+                                      <p:to>
+                                        <p:strVal val="visible"/>
+                                      </p:to>
+                                    </p:set>
+                                  </p:childTnLst>
+                                </p:cTn>
+                              </p:par>
+                              <p:par>
+                                <p:cTn id="7" presetID="1" presetClass="entr" presetSubtype="0" fill="hold" nodeType="withEffect">
+                                  <p:stCondLst>
+                                    <p:cond delay="0"/>
+                                  </p:stCondLst>
+                                  <p:childTnLst>
+                                    <p:set>
+                                      <p:cBhvr>
+                                        <p:cTn id="8" dur="1" fill="hold">
+                                          <p:stCondLst>
+                                            <p:cond delay="0"/>
+                                          </p:stCondLst>
+                                        </p:cTn>
+                                        <p:tgtEl>
+                                          <p:spTgt spid="3">
+                                            <p:txEl>
+                                              <p:pRg st="1" end="1"/>
+                                            </p:txEl>
+                                          </p:spTgt>
+                                        </p:tgtEl>
+                                        <p:attrNameLst>
+                                          <p:attrName>style.visibility</p:attrName>
+                                        </p:attrNameLst>
+                                      </p:cBhvr>
+                                      <p:to>
+                                        <p:strVal val="visible"/>
+                                      </p:to>
+                                    </p:set>
+                                  </p:childTnLst>
+                                </p:cTn>
+                              </p:par>
+                              <p:par>
+                                <p:cTn id="9" presetID="1" presetClass="entr" presetSubtype="0" fill="hold" nodeType="withEffect">
+                                  <p:stCondLst>
+                                    <p:cond delay="0"/>
+                                  </p:stCondLst>
+                                  <p:childTnLst>
+                                    <p:set>
+                                      <p:cBhvr>
+                                        <p:cTn id="10" dur="1" fill="hold">
+                                          <p:stCondLst>
+                                            <p:cond delay="0"/>
+                                          </p:stCondLst>
+                                        </p:cTn>
+                                        <p:tgtEl>
+                                          <p:spTgt spid="3">
+                                            <p:txEl>
+                                              <p:pRg st="2" end="2"/>
+                                            </p:txEl>
+                                          </p:spTgt>
+                                        </p:tgtEl>
+                                        <p:attrNameLst>
+                                          <p:attrName>style.visibility</p:attrName>
+                                        </p:attrNameLst>
+                                      </p:cBhvr>
+                                      <p:to>
+                                        <p:strVal val="visible"/>
+                                      </p:to>
+                                    </p:set>
+                                  </p:childTnLst>
+                                </p:cTn>
+                              </p:par>
+                              <p:par>
+                                <p:cTn id="11" presetID="1" presetClass="entr" presetSubtype="0" fill="hold" nodeType="withEffect">
+                                  <p:stCondLst>
+                                    <p:cond delay="0"/>
+                                  </p:stCondLst>
+                                  <p:childTnLst>
+                                    <p:set>
+                                      <p:cBhvr>
+                                        <p:cTn id="12" dur="1" fill="hold">
+                                          <p:stCondLst>
+                                            <p:cond delay="0"/>
+                                          </p:stCondLst>
+                                        </p:cTn>
+                                        <p:tgtEl>
+                                          <p:spTgt spid="3">
+                                            <p:txEl>
+                                              <p:pRg st="3" end="3"/>
+                                            </p:txEl>
+                                          </p:spTgt>
+                                        </p:tgtEl>
+                                        <p:attrNameLst>
+                                          <p:attrName>style.visibility</p:attrName>
+                                        </p:attrNameLst>
+                                      </p:cBhvr>
+                                      <p:to>
+                                        <p:strVal val="visible"/>
+                                      </p:to>
+                                    </p:set>
+                                  </p:childTnLst>
+                                </p:cTn>
+                              </p:par>
+                            </p:childTnLst>
+                          </p:cTn>
+                        </p:par>
+                      </p:childTnLst>
+                    </p:cTn>
+                  </p:par>
+                  <p:par>
+                    <p:cTn id="13" fill="hold">
+                      <p:stCondLst>
+                        <p:cond delay="indefinite"/>
+                      </p:stCondLst>
+                      <p:childTnLst>
+                        <p:par>
+                          <p:cTn id="14" fill="hold">
+                            <p:stCondLst>
+                              <p:cond delay="0"/>
+                            </p:stCondLst>
+                            <p:childTnLst>
+                              <p:par>
+                                <p:cTn id="15" presetID="1" presetClass="entr" presetSubtype="0" fill="hold" nodeType="clickEffect">
+                                  <p:stCondLst>
+                                    <p:cond delay="0"/>
+                                  </p:stCondLst>
+                                  <p:childTnLst>
+                                    <p:set>
+                                      <p:cBhvr>
+                                        <p:cTn id="16" dur="1" fill="hold">
+                                          <p:stCondLst>
+                                            <p:cond delay="0"/>
+                                          </p:stCondLst>
+                                        </p:cTn>
+                                        <p:tgtEl>
+                                          <p:spTgt spid="3">
+                                            <p:txEl>
+                                              <p:pRg st="5" end="5"/>
+                                            </p:txEl>
+                                          </p:spTgt>
+                                        </p:tgtEl>
+                                        <p:attrNameLst>
+                                          <p:attrName>style.visibility</p:attrName>
+                                        </p:attrNameLst>
+                                      </p:cBhvr>
+                                      <p:to>
+                                        <p:strVal val="visible"/>
+                                      </p:to>
+                                    </p:set>
+                                  </p:childTnLst>
+                                </p:cTn>
+                              </p:par>
+                              <p:par>
+                                <p:cTn id="17" presetID="1" presetClass="entr" presetSubtype="0" fill="hold" nodeType="withEffect">
+                                  <p:stCondLst>
+                                    <p:cond delay="0"/>
+                                  </p:stCondLst>
+                                  <p:childTnLst>
+                                    <p:set>
+                                      <p:cBhvr>
+                                        <p:cTn id="18" dur="1" fill="hold">
+                                          <p:stCondLst>
+                                            <p:cond delay="0"/>
+                                          </p:stCondLst>
+                                        </p:cTn>
+                                        <p:tgtEl>
+                                          <p:spTgt spid="3">
+                                            <p:txEl>
+                                              <p:pRg st="6" end="6"/>
+                                            </p:txEl>
+                                          </p:spTgt>
+                                        </p:tgtEl>
+                                        <p:attrNameLst>
+                                          <p:attrName>style.visibility</p:attrName>
+                                        </p:attrNameLst>
+                                      </p:cBhvr>
+                                      <p:to>
+                                        <p:strVal val="visible"/>
+                                      </p:to>
+                                    </p:set>
+                                  </p:childTnLst>
+                                </p:cTn>
+                              </p:par>
+                              <p:par>
+                                <p:cTn id="19" presetID="1" presetClass="entr" presetSubtype="0" fill="hold" nodeType="withEffect">
+                                  <p:stCondLst>
+                                    <p:cond delay="0"/>
+                                  </p:stCondLst>
+                                  <p:childTnLst>
+                                    <p:set>
+                                      <p:cBhvr>
+                                        <p:cTn id="20" dur="1" fill="hold">
+                                          <p:stCondLst>
+                                            <p:cond delay="0"/>
+                                          </p:stCondLst>
+                                        </p:cTn>
+                                        <p:tgtEl>
+                                          <p:spTgt spid="3">
+                                            <p:txEl>
+                                              <p:pRg st="7" end="7"/>
+                                            </p:txEl>
+                                          </p:spTgt>
+                                        </p:tgtEl>
+                                        <p:attrNameLst>
+                                          <p:attrName>style.visibility</p:attrName>
+                                        </p:attrNameLst>
+                                      </p:cBhvr>
+                                      <p:to>
+                                        <p:strVal val="visible"/>
+                                      </p:to>
+                                    </p:set>
+                                  </p:childTnLst>
+                                </p:cTn>
+                              </p:par>
+                              <p:par>
+                                <p:cTn id="21" presetID="1" presetClass="entr" presetSubtype="0" fill="hold" nodeType="withEffect">
+                                  <p:stCondLst>
+                                    <p:cond delay="0"/>
+                                  </p:stCondLst>
+                                  <p:childTnLst>
+                                    <p:set>
+                                      <p:cBhvr>
+                                        <p:cTn id="22" dur="1" fill="hold">
+                                          <p:stCondLst>
+                                            <p:cond delay="0"/>
+                                          </p:stCondLst>
+                                        </p:cTn>
+                                        <p:tgtEl>
+                                          <p:spTgt spid="3">
+                                            <p:txEl>
+                                              <p:pRg st="8" end="8"/>
+                                            </p:txEl>
+                                          </p:spTgt>
+                                        </p:tgtEl>
+                                        <p:attrNameLst>
+                                          <p:attrName>style.visibility</p:attrName>
+                                        </p:attrNameLst>
+                                      </p:cBhvr>
+                                      <p:to>
+                                        <p:strVal val="visible"/>
+                                      </p:to>
+                                    </p:set>
+                                  </p:childTnLst>
+                                </p:cTn>
+                              </p:par>
+                              <p:par>
+                                <p:cTn id="23" presetID="1" presetClass="entr" presetSubtype="0" fill="hold" nodeType="withEffect">
+                                  <p:stCondLst>
+                                    <p:cond delay="0"/>
+                                  </p:stCondLst>
+                                  <p:childTnLst>
+                                    <p:set>
+                                      <p:cBhvr>
+                                        <p:cTn id="24" dur="1" fill="hold">
+                                          <p:stCondLst>
+                                            <p:cond delay="0"/>
+                                          </p:stCondLst>
+                                        </p:cTn>
+                                        <p:tgtEl>
+                                          <p:spTgt spid="3">
+                                            <p:txEl>
+                                              <p:pRg st="9" end="9"/>
+                                            </p:txEl>
+                                          </p:spTgt>
+                                        </p:tgtEl>
+                                        <p:attrNameLst>
+                                          <p:attrName>style.visibility</p:attrName>
+                                        </p:attrNameLst>
+                                      </p:cBhvr>
+                                      <p:to>
+                                        <p:strVal val="visible"/>
+                                      </p:to>
+                                    </p:set>
+                                  </p:childTnLst>
+                                </p:cTn>
+                              </p:par>
+                              <p:par>
+                                <p:cTn id="25" presetID="1" presetClass="entr" presetSubtype="0" fill="hold" nodeType="withEffect">
+                                  <p:stCondLst>
+                                    <p:cond delay="0"/>
+                                  </p:stCondLst>
+                                  <p:childTnLst>
+                                    <p:set>
+                                      <p:cBhvr>
+                                        <p:cTn id="26" dur="1" fill="hold">
+                                          <p:stCondLst>
+                                            <p:cond delay="0"/>
+                                          </p:stCondLst>
+                                        </p:cTn>
+                                        <p:tgtEl>
+                                          <p:spTgt spid="3">
+                                            <p:txEl>
+                                              <p:pRg st="10" end="10"/>
+                                            </p:txEl>
+                                          </p:spTgt>
+                                        </p:tgtEl>
+                                        <p:attrNameLst>
+                                          <p:attrName>style.visibility</p:attrName>
+                                        </p:attrNameLst>
+                                      </p:cBhvr>
+                                      <p:to>
+                                        <p:strVal val="visible"/>
+                                      </p:to>
+                                    </p:set>
+                                  </p:childTnLst>
+                                </p:cTn>
+                              </p:par>
+                              <p:par>
+                                <p:cTn id="27" presetID="1" presetClass="entr" presetSubtype="0" fill="hold" nodeType="withEffect">
+                                  <p:stCondLst>
+                                    <p:cond delay="0"/>
+                                  </p:stCondLst>
+                                  <p:childTnLst>
+                                    <p:set>
+                                      <p:cBhvr>
+                                        <p:cTn id="28" dur="1" fill="hold">
+                                          <p:stCondLst>
+                                            <p:cond delay="0"/>
+                                          </p:stCondLst>
+                                        </p:cTn>
+                                        <p:tgtEl>
+                                          <p:spTgt spid="3">
+                                            <p:txEl>
+                                              <p:pRg st="11" end="11"/>
+                                            </p:txEl>
+                                          </p:spTgt>
+                                        </p:tgtEl>
+                                        <p:attrNameLst>
+                                          <p:attrName>style.visibility</p:attrName>
+                                        </p:attrNameLst>
+                                      </p:cBhvr>
+                                      <p:to>
+                                        <p:strVal val="visible"/>
+                                      </p:to>
+                                    </p:set>
+                                  </p:childTnLst>
+                                </p:cTn>
+                              </p:par>
+                            </p:childTnLst>
+                          </p:cTn>
+                        </p:par>
+                      </p:childTnLst>
+                    </p:cTn>
+                  </p:par>
+                </p:childTnLst>
+              </p:cTn>
+              <p:prevCondLst>
+                <p:cond evt="onPrev" delay="0">
+                  <p:tgtEl>
+                    <p:sldTgt/>
+                  </p:tgtEl>
+                </p:cond>
+              </p:prevCondLst>
+              <p:nextCondLst>
+                <p:cond evt="onNext" delay="0">
+                  <p:tgtEl>
+                    <p:sldTgt/>
+                  </p:tgtEl>
+                </p:cond>
+              </p:nextCondLst>
+            </p:seq>
+          </p:childTnLst>
+        </p:cTn>
+      </p:par>
+    </p:tnLst>
+  </p:timing>
+</p:sld>
+</file>
+
 <file path=ppt/slides/slide2.xml><?xml version="1.0" encoding="utf-8"?>
 <p:sld xmlns:a="http://schemas.openxmlformats.org/drawingml/2006/main" xmlns:r="http://schemas.openxmlformats.org/officeDocument/2006/relationships" xmlns:p="http://schemas.openxmlformats.org/presentationml/2006/main">
   <p:cSld>
@@ -5496,7 +6079,7 @@
         </p:nvCxnSpPr>
         <p:spPr>
           <a:xfrm>
-            <a:off x="3580706" y="3274512"/>
+            <a:off x="3580706" y="3272425"/>
             <a:ext cx="387728" cy="0"/>
           </a:xfrm>
           <a:prstGeom prst="line">
@@ -6250,7 +6833,7 @@
         </p:nvCxnSpPr>
         <p:spPr>
           <a:xfrm>
-            <a:off x="3580706" y="3274512"/>
+            <a:off x="3580706" y="3272425"/>
             <a:ext cx="387728" cy="0"/>
           </a:xfrm>
           <a:prstGeom prst="line">
@@ -8611,7 +9194,7 @@
         </p:nvCxnSpPr>
         <p:spPr>
           <a:xfrm>
-            <a:off x="3580706" y="3274512"/>
+            <a:off x="3580706" y="3272425"/>
             <a:ext cx="387728" cy="0"/>
           </a:xfrm>
           <a:prstGeom prst="line">
@@ -9115,6 +9698,330 @@
   <p:clrMapOvr>
     <a:masterClrMapping/>
   </p:clrMapOvr>
+  <p:timing>
+    <p:tnLst>
+      <p:par>
+        <p:cTn id="1" dur="indefinite" restart="never" nodeType="tmRoot">
+          <p:childTnLst>
+            <p:seq concurrent="1" nextAc="seek">
+              <p:cTn id="2" dur="indefinite" nodeType="mainSeq">
+                <p:childTnLst>
+                  <p:par>
+                    <p:cTn id="3" fill="hold">
+                      <p:stCondLst>
+                        <p:cond delay="indefinite"/>
+                      </p:stCondLst>
+                      <p:childTnLst>
+                        <p:par>
+                          <p:cTn id="4" fill="hold">
+                            <p:stCondLst>
+                              <p:cond delay="0"/>
+                            </p:stCondLst>
+                            <p:childTnLst>
+                              <p:par>
+                                <p:cTn id="5" presetID="1" presetClass="entr" presetSubtype="0" fill="hold" nodeType="clickEffect">
+                                  <p:stCondLst>
+                                    <p:cond delay="0"/>
+                                  </p:stCondLst>
+                                  <p:childTnLst>
+                                    <p:set>
+                                      <p:cBhvr>
+                                        <p:cTn id="6" dur="1" fill="hold">
+                                          <p:stCondLst>
+                                            <p:cond delay="0"/>
+                                          </p:stCondLst>
+                                        </p:cTn>
+                                        <p:tgtEl>
+                                          <p:spTgt spid="3">
+                                            <p:txEl>
+                                              <p:pRg st="2" end="2"/>
+                                            </p:txEl>
+                                          </p:spTgt>
+                                        </p:tgtEl>
+                                        <p:attrNameLst>
+                                          <p:attrName>style.visibility</p:attrName>
+                                        </p:attrNameLst>
+                                      </p:cBhvr>
+                                      <p:to>
+                                        <p:strVal val="visible"/>
+                                      </p:to>
+                                    </p:set>
+                                  </p:childTnLst>
+                                </p:cTn>
+                              </p:par>
+                            </p:childTnLst>
+                          </p:cTn>
+                        </p:par>
+                      </p:childTnLst>
+                    </p:cTn>
+                  </p:par>
+                  <p:par>
+                    <p:cTn id="7" fill="hold">
+                      <p:stCondLst>
+                        <p:cond delay="indefinite"/>
+                      </p:stCondLst>
+                      <p:childTnLst>
+                        <p:par>
+                          <p:cTn id="8" fill="hold">
+                            <p:stCondLst>
+                              <p:cond delay="0"/>
+                            </p:stCondLst>
+                            <p:childTnLst>
+                              <p:par>
+                                <p:cTn id="9" presetID="1" presetClass="entr" presetSubtype="0" fill="hold" nodeType="clickEffect">
+                                  <p:stCondLst>
+                                    <p:cond delay="0"/>
+                                  </p:stCondLst>
+                                  <p:childTnLst>
+                                    <p:set>
+                                      <p:cBhvr>
+                                        <p:cTn id="10" dur="1" fill="hold">
+                                          <p:stCondLst>
+                                            <p:cond delay="0"/>
+                                          </p:stCondLst>
+                                        </p:cTn>
+                                        <p:tgtEl>
+                                          <p:spTgt spid="3">
+                                            <p:txEl>
+                                              <p:pRg st="3" end="3"/>
+                                            </p:txEl>
+                                          </p:spTgt>
+                                        </p:tgtEl>
+                                        <p:attrNameLst>
+                                          <p:attrName>style.visibility</p:attrName>
+                                        </p:attrNameLst>
+                                      </p:cBhvr>
+                                      <p:to>
+                                        <p:strVal val="visible"/>
+                                      </p:to>
+                                    </p:set>
+                                  </p:childTnLst>
+                                </p:cTn>
+                              </p:par>
+                            </p:childTnLst>
+                          </p:cTn>
+                        </p:par>
+                      </p:childTnLst>
+                    </p:cTn>
+                  </p:par>
+                  <p:par>
+                    <p:cTn id="11" fill="hold">
+                      <p:stCondLst>
+                        <p:cond delay="indefinite"/>
+                      </p:stCondLst>
+                      <p:childTnLst>
+                        <p:par>
+                          <p:cTn id="12" fill="hold">
+                            <p:stCondLst>
+                              <p:cond delay="0"/>
+                            </p:stCondLst>
+                            <p:childTnLst>
+                              <p:par>
+                                <p:cTn id="13" presetID="1" presetClass="entr" presetSubtype="0" fill="hold" nodeType="clickEffect">
+                                  <p:stCondLst>
+                                    <p:cond delay="0"/>
+                                  </p:stCondLst>
+                                  <p:childTnLst>
+                                    <p:set>
+                                      <p:cBhvr>
+                                        <p:cTn id="14" dur="1" fill="hold">
+                                          <p:stCondLst>
+                                            <p:cond delay="0"/>
+                                          </p:stCondLst>
+                                        </p:cTn>
+                                        <p:tgtEl>
+                                          <p:spTgt spid="3">
+                                            <p:txEl>
+                                              <p:pRg st="4" end="4"/>
+                                            </p:txEl>
+                                          </p:spTgt>
+                                        </p:tgtEl>
+                                        <p:attrNameLst>
+                                          <p:attrName>style.visibility</p:attrName>
+                                        </p:attrNameLst>
+                                      </p:cBhvr>
+                                      <p:to>
+                                        <p:strVal val="visible"/>
+                                      </p:to>
+                                    </p:set>
+                                  </p:childTnLst>
+                                </p:cTn>
+                              </p:par>
+                            </p:childTnLst>
+                          </p:cTn>
+                        </p:par>
+                      </p:childTnLst>
+                    </p:cTn>
+                  </p:par>
+                  <p:par>
+                    <p:cTn id="15" fill="hold">
+                      <p:stCondLst>
+                        <p:cond delay="indefinite"/>
+                      </p:stCondLst>
+                      <p:childTnLst>
+                        <p:par>
+                          <p:cTn id="16" fill="hold">
+                            <p:stCondLst>
+                              <p:cond delay="0"/>
+                            </p:stCondLst>
+                            <p:childTnLst>
+                              <p:par>
+                                <p:cTn id="17" presetID="1" presetClass="entr" presetSubtype="0" fill="hold" nodeType="clickEffect">
+                                  <p:stCondLst>
+                                    <p:cond delay="0"/>
+                                  </p:stCondLst>
+                                  <p:childTnLst>
+                                    <p:set>
+                                      <p:cBhvr>
+                                        <p:cTn id="18" dur="1" fill="hold">
+                                          <p:stCondLst>
+                                            <p:cond delay="0"/>
+                                          </p:stCondLst>
+                                        </p:cTn>
+                                        <p:tgtEl>
+                                          <p:spTgt spid="3">
+                                            <p:txEl>
+                                              <p:pRg st="5" end="5"/>
+                                            </p:txEl>
+                                          </p:spTgt>
+                                        </p:tgtEl>
+                                        <p:attrNameLst>
+                                          <p:attrName>style.visibility</p:attrName>
+                                        </p:attrNameLst>
+                                      </p:cBhvr>
+                                      <p:to>
+                                        <p:strVal val="visible"/>
+                                      </p:to>
+                                    </p:set>
+                                  </p:childTnLst>
+                                </p:cTn>
+                              </p:par>
+                            </p:childTnLst>
+                          </p:cTn>
+                        </p:par>
+                      </p:childTnLst>
+                    </p:cTn>
+                  </p:par>
+                  <p:par>
+                    <p:cTn id="19" fill="hold">
+                      <p:stCondLst>
+                        <p:cond delay="indefinite"/>
+                      </p:stCondLst>
+                      <p:childTnLst>
+                        <p:par>
+                          <p:cTn id="20" fill="hold">
+                            <p:stCondLst>
+                              <p:cond delay="0"/>
+                            </p:stCondLst>
+                            <p:childTnLst>
+                              <p:par>
+                                <p:cTn id="21" presetID="1" presetClass="entr" presetSubtype="0" fill="hold" nodeType="clickEffect">
+                                  <p:stCondLst>
+                                    <p:cond delay="0"/>
+                                  </p:stCondLst>
+                                  <p:childTnLst>
+                                    <p:set>
+                                      <p:cBhvr>
+                                        <p:cTn id="22" dur="1" fill="hold">
+                                          <p:stCondLst>
+                                            <p:cond delay="0"/>
+                                          </p:stCondLst>
+                                        </p:cTn>
+                                        <p:tgtEl>
+                                          <p:spTgt spid="3">
+                                            <p:txEl>
+                                              <p:pRg st="6" end="6"/>
+                                            </p:txEl>
+                                          </p:spTgt>
+                                        </p:tgtEl>
+                                        <p:attrNameLst>
+                                          <p:attrName>style.visibility</p:attrName>
+                                        </p:attrNameLst>
+                                      </p:cBhvr>
+                                      <p:to>
+                                        <p:strVal val="visible"/>
+                                      </p:to>
+                                    </p:set>
+                                  </p:childTnLst>
+                                </p:cTn>
+                              </p:par>
+                            </p:childTnLst>
+                          </p:cTn>
+                        </p:par>
+                      </p:childTnLst>
+                    </p:cTn>
+                  </p:par>
+                  <p:par>
+                    <p:cTn id="23" fill="hold">
+                      <p:stCondLst>
+                        <p:cond delay="indefinite"/>
+                      </p:stCondLst>
+                      <p:childTnLst>
+                        <p:par>
+                          <p:cTn id="24" fill="hold">
+                            <p:stCondLst>
+                              <p:cond delay="0"/>
+                            </p:stCondLst>
+                            <p:childTnLst>
+                              <p:par>
+                                <p:cTn id="25" presetID="1" presetClass="entr" presetSubtype="0" fill="hold" nodeType="clickEffect">
+                                  <p:stCondLst>
+                                    <p:cond delay="0"/>
+                                  </p:stCondLst>
+                                  <p:childTnLst>
+                                    <p:set>
+                                      <p:cBhvr>
+                                        <p:cTn id="26" dur="1" fill="hold">
+                                          <p:stCondLst>
+                                            <p:cond delay="0"/>
+                                          </p:stCondLst>
+                                        </p:cTn>
+                                        <p:tgtEl>
+                                          <p:spTgt spid="3">
+                                            <p:txEl>
+                                              <p:pRg st="7" end="7"/>
+                                            </p:txEl>
+                                          </p:spTgt>
+                                        </p:tgtEl>
+                                        <p:attrNameLst>
+                                          <p:attrName>style.visibility</p:attrName>
+                                        </p:attrNameLst>
+                                      </p:cBhvr>
+                                      <p:to>
+                                        <p:strVal val="visible"/>
+                                      </p:to>
+                                    </p:set>
+                                  </p:childTnLst>
+                                </p:cTn>
+                              </p:par>
+                            </p:childTnLst>
+                          </p:cTn>
+                        </p:par>
+                      </p:childTnLst>
+                    </p:cTn>
+                  </p:par>
+                </p:childTnLst>
+              </p:cTn>
+              <p:prevCondLst>
+                <p:cond evt="onPrev" delay="0">
+                  <p:tgtEl>
+                    <p:sldTgt/>
+                  </p:tgtEl>
+                </p:cond>
+              </p:prevCondLst>
+              <p:nextCondLst>
+                <p:cond evt="onNext" delay="0">
+                  <p:tgtEl>
+                    <p:sldTgt/>
+                  </p:tgtEl>
+                </p:cond>
+              </p:nextCondLst>
+            </p:seq>
+          </p:childTnLst>
+        </p:cTn>
+      </p:par>
+    </p:tnLst>
+  </p:timing>
 </p:sld>
 </file>
 
@@ -9300,6 +10207,612 @@
     <p:extLst>
       <p:ext uri="{BB962C8B-B14F-4D97-AF65-F5344CB8AC3E}">
         <p14:creationId xmlns:p14="http://schemas.microsoft.com/office/powerpoint/2010/main" val="1397275086"/>
+      </p:ext>
+    </p:extLst>
+  </p:cSld>
+  <p:clrMapOvr>
+    <a:masterClrMapping/>
+  </p:clrMapOvr>
+  <p:timing>
+    <p:tnLst>
+      <p:par>
+        <p:cTn id="1" dur="indefinite" restart="never" nodeType="tmRoot">
+          <p:childTnLst>
+            <p:seq concurrent="1" nextAc="seek">
+              <p:cTn id="2" dur="indefinite" nodeType="mainSeq">
+                <p:childTnLst>
+                  <p:par>
+                    <p:cTn id="3" fill="hold">
+                      <p:stCondLst>
+                        <p:cond delay="indefinite"/>
+                      </p:stCondLst>
+                      <p:childTnLst>
+                        <p:par>
+                          <p:cTn id="4" fill="hold">
+                            <p:stCondLst>
+                              <p:cond delay="0"/>
+                            </p:stCondLst>
+                            <p:childTnLst>
+                              <p:par>
+                                <p:cTn id="5" presetID="1" presetClass="entr" presetSubtype="0" fill="hold" nodeType="clickEffect">
+                                  <p:stCondLst>
+                                    <p:cond delay="0"/>
+                                  </p:stCondLst>
+                                  <p:childTnLst>
+                                    <p:set>
+                                      <p:cBhvr>
+                                        <p:cTn id="6" dur="1" fill="hold">
+                                          <p:stCondLst>
+                                            <p:cond delay="0"/>
+                                          </p:stCondLst>
+                                        </p:cTn>
+                                        <p:tgtEl>
+                                          <p:spTgt spid="3">
+                                            <p:txEl>
+                                              <p:pRg st="0" end="0"/>
+                                            </p:txEl>
+                                          </p:spTgt>
+                                        </p:tgtEl>
+                                        <p:attrNameLst>
+                                          <p:attrName>style.visibility</p:attrName>
+                                        </p:attrNameLst>
+                                      </p:cBhvr>
+                                      <p:to>
+                                        <p:strVal val="visible"/>
+                                      </p:to>
+                                    </p:set>
+                                  </p:childTnLst>
+                                </p:cTn>
+                              </p:par>
+                            </p:childTnLst>
+                          </p:cTn>
+                        </p:par>
+                      </p:childTnLst>
+                    </p:cTn>
+                  </p:par>
+                  <p:par>
+                    <p:cTn id="7" fill="hold">
+                      <p:stCondLst>
+                        <p:cond delay="indefinite"/>
+                      </p:stCondLst>
+                      <p:childTnLst>
+                        <p:par>
+                          <p:cTn id="8" fill="hold">
+                            <p:stCondLst>
+                              <p:cond delay="0"/>
+                            </p:stCondLst>
+                            <p:childTnLst>
+                              <p:par>
+                                <p:cTn id="9" presetID="1" presetClass="entr" presetSubtype="0" fill="hold" nodeType="clickEffect">
+                                  <p:stCondLst>
+                                    <p:cond delay="0"/>
+                                  </p:stCondLst>
+                                  <p:childTnLst>
+                                    <p:set>
+                                      <p:cBhvr>
+                                        <p:cTn id="10" dur="1" fill="hold">
+                                          <p:stCondLst>
+                                            <p:cond delay="0"/>
+                                          </p:stCondLst>
+                                        </p:cTn>
+                                        <p:tgtEl>
+                                          <p:spTgt spid="3">
+                                            <p:txEl>
+                                              <p:pRg st="1" end="1"/>
+                                            </p:txEl>
+                                          </p:spTgt>
+                                        </p:tgtEl>
+                                        <p:attrNameLst>
+                                          <p:attrName>style.visibility</p:attrName>
+                                        </p:attrNameLst>
+                                      </p:cBhvr>
+                                      <p:to>
+                                        <p:strVal val="visible"/>
+                                      </p:to>
+                                    </p:set>
+                                  </p:childTnLst>
+                                </p:cTn>
+                              </p:par>
+                            </p:childTnLst>
+                          </p:cTn>
+                        </p:par>
+                      </p:childTnLst>
+                    </p:cTn>
+                  </p:par>
+                  <p:par>
+                    <p:cTn id="11" fill="hold">
+                      <p:stCondLst>
+                        <p:cond delay="indefinite"/>
+                      </p:stCondLst>
+                      <p:childTnLst>
+                        <p:par>
+                          <p:cTn id="12" fill="hold">
+                            <p:stCondLst>
+                              <p:cond delay="0"/>
+                            </p:stCondLst>
+                            <p:childTnLst>
+                              <p:par>
+                                <p:cTn id="13" presetID="1" presetClass="entr" presetSubtype="0" fill="hold" nodeType="clickEffect">
+                                  <p:stCondLst>
+                                    <p:cond delay="0"/>
+                                  </p:stCondLst>
+                                  <p:childTnLst>
+                                    <p:set>
+                                      <p:cBhvr>
+                                        <p:cTn id="14" dur="1" fill="hold">
+                                          <p:stCondLst>
+                                            <p:cond delay="0"/>
+                                          </p:stCondLst>
+                                        </p:cTn>
+                                        <p:tgtEl>
+                                          <p:spTgt spid="3">
+                                            <p:txEl>
+                                              <p:pRg st="2" end="2"/>
+                                            </p:txEl>
+                                          </p:spTgt>
+                                        </p:tgtEl>
+                                        <p:attrNameLst>
+                                          <p:attrName>style.visibility</p:attrName>
+                                        </p:attrNameLst>
+                                      </p:cBhvr>
+                                      <p:to>
+                                        <p:strVal val="visible"/>
+                                      </p:to>
+                                    </p:set>
+                                  </p:childTnLst>
+                                </p:cTn>
+                              </p:par>
+                            </p:childTnLst>
+                          </p:cTn>
+                        </p:par>
+                      </p:childTnLst>
+                    </p:cTn>
+                  </p:par>
+                  <p:par>
+                    <p:cTn id="15" fill="hold">
+                      <p:stCondLst>
+                        <p:cond delay="indefinite"/>
+                      </p:stCondLst>
+                      <p:childTnLst>
+                        <p:par>
+                          <p:cTn id="16" fill="hold">
+                            <p:stCondLst>
+                              <p:cond delay="0"/>
+                            </p:stCondLst>
+                            <p:childTnLst>
+                              <p:par>
+                                <p:cTn id="17" presetID="1" presetClass="entr" presetSubtype="0" fill="hold" nodeType="clickEffect">
+                                  <p:stCondLst>
+                                    <p:cond delay="0"/>
+                                  </p:stCondLst>
+                                  <p:childTnLst>
+                                    <p:set>
+                                      <p:cBhvr>
+                                        <p:cTn id="18" dur="1" fill="hold">
+                                          <p:stCondLst>
+                                            <p:cond delay="0"/>
+                                          </p:stCondLst>
+                                        </p:cTn>
+                                        <p:tgtEl>
+                                          <p:spTgt spid="3">
+                                            <p:txEl>
+                                              <p:pRg st="3" end="3"/>
+                                            </p:txEl>
+                                          </p:spTgt>
+                                        </p:tgtEl>
+                                        <p:attrNameLst>
+                                          <p:attrName>style.visibility</p:attrName>
+                                        </p:attrNameLst>
+                                      </p:cBhvr>
+                                      <p:to>
+                                        <p:strVal val="visible"/>
+                                      </p:to>
+                                    </p:set>
+                                  </p:childTnLst>
+                                </p:cTn>
+                              </p:par>
+                            </p:childTnLst>
+                          </p:cTn>
+                        </p:par>
+                      </p:childTnLst>
+                    </p:cTn>
+                  </p:par>
+                  <p:par>
+                    <p:cTn id="19" fill="hold">
+                      <p:stCondLst>
+                        <p:cond delay="indefinite"/>
+                      </p:stCondLst>
+                      <p:childTnLst>
+                        <p:par>
+                          <p:cTn id="20" fill="hold">
+                            <p:stCondLst>
+                              <p:cond delay="0"/>
+                            </p:stCondLst>
+                            <p:childTnLst>
+                              <p:par>
+                                <p:cTn id="21" presetID="1" presetClass="entr" presetSubtype="0" fill="hold" nodeType="clickEffect">
+                                  <p:stCondLst>
+                                    <p:cond delay="0"/>
+                                  </p:stCondLst>
+                                  <p:childTnLst>
+                                    <p:set>
+                                      <p:cBhvr>
+                                        <p:cTn id="22" dur="1" fill="hold">
+                                          <p:stCondLst>
+                                            <p:cond delay="0"/>
+                                          </p:stCondLst>
+                                        </p:cTn>
+                                        <p:tgtEl>
+                                          <p:spTgt spid="3">
+                                            <p:txEl>
+                                              <p:pRg st="4" end="4"/>
+                                            </p:txEl>
+                                          </p:spTgt>
+                                        </p:tgtEl>
+                                        <p:attrNameLst>
+                                          <p:attrName>style.visibility</p:attrName>
+                                        </p:attrNameLst>
+                                      </p:cBhvr>
+                                      <p:to>
+                                        <p:strVal val="visible"/>
+                                      </p:to>
+                                    </p:set>
+                                  </p:childTnLst>
+                                </p:cTn>
+                              </p:par>
+                            </p:childTnLst>
+                          </p:cTn>
+                        </p:par>
+                      </p:childTnLst>
+                    </p:cTn>
+                  </p:par>
+                  <p:par>
+                    <p:cTn id="23" fill="hold">
+                      <p:stCondLst>
+                        <p:cond delay="indefinite"/>
+                      </p:stCondLst>
+                      <p:childTnLst>
+                        <p:par>
+                          <p:cTn id="24" fill="hold">
+                            <p:stCondLst>
+                              <p:cond delay="0"/>
+                            </p:stCondLst>
+                            <p:childTnLst>
+                              <p:par>
+                                <p:cTn id="25" presetID="1" presetClass="entr" presetSubtype="0" fill="hold" nodeType="clickEffect">
+                                  <p:stCondLst>
+                                    <p:cond delay="0"/>
+                                  </p:stCondLst>
+                                  <p:childTnLst>
+                                    <p:set>
+                                      <p:cBhvr>
+                                        <p:cTn id="26" dur="1" fill="hold">
+                                          <p:stCondLst>
+                                            <p:cond delay="0"/>
+                                          </p:stCondLst>
+                                        </p:cTn>
+                                        <p:tgtEl>
+                                          <p:spTgt spid="3">
+                                            <p:txEl>
+                                              <p:pRg st="5" end="5"/>
+                                            </p:txEl>
+                                          </p:spTgt>
+                                        </p:tgtEl>
+                                        <p:attrNameLst>
+                                          <p:attrName>style.visibility</p:attrName>
+                                        </p:attrNameLst>
+                                      </p:cBhvr>
+                                      <p:to>
+                                        <p:strVal val="visible"/>
+                                      </p:to>
+                                    </p:set>
+                                  </p:childTnLst>
+                                </p:cTn>
+                              </p:par>
+                            </p:childTnLst>
+                          </p:cTn>
+                        </p:par>
+                      </p:childTnLst>
+                    </p:cTn>
+                  </p:par>
+                  <p:par>
+                    <p:cTn id="27" fill="hold">
+                      <p:stCondLst>
+                        <p:cond delay="indefinite"/>
+                      </p:stCondLst>
+                      <p:childTnLst>
+                        <p:par>
+                          <p:cTn id="28" fill="hold">
+                            <p:stCondLst>
+                              <p:cond delay="0"/>
+                            </p:stCondLst>
+                            <p:childTnLst>
+                              <p:par>
+                                <p:cTn id="29" presetID="1" presetClass="entr" presetSubtype="0" fill="hold" nodeType="clickEffect">
+                                  <p:stCondLst>
+                                    <p:cond delay="0"/>
+                                  </p:stCondLst>
+                                  <p:childTnLst>
+                                    <p:set>
+                                      <p:cBhvr>
+                                        <p:cTn id="30" dur="1" fill="hold">
+                                          <p:stCondLst>
+                                            <p:cond delay="0"/>
+                                          </p:stCondLst>
+                                        </p:cTn>
+                                        <p:tgtEl>
+                                          <p:spTgt spid="3">
+                                            <p:txEl>
+                                              <p:pRg st="6" end="6"/>
+                                            </p:txEl>
+                                          </p:spTgt>
+                                        </p:tgtEl>
+                                        <p:attrNameLst>
+                                          <p:attrName>style.visibility</p:attrName>
+                                        </p:attrNameLst>
+                                      </p:cBhvr>
+                                      <p:to>
+                                        <p:strVal val="visible"/>
+                                      </p:to>
+                                    </p:set>
+                                  </p:childTnLst>
+                                </p:cTn>
+                              </p:par>
+                            </p:childTnLst>
+                          </p:cTn>
+                        </p:par>
+                      </p:childTnLst>
+                    </p:cTn>
+                  </p:par>
+                  <p:par>
+                    <p:cTn id="31" fill="hold">
+                      <p:stCondLst>
+                        <p:cond delay="indefinite"/>
+                      </p:stCondLst>
+                      <p:childTnLst>
+                        <p:par>
+                          <p:cTn id="32" fill="hold">
+                            <p:stCondLst>
+                              <p:cond delay="0"/>
+                            </p:stCondLst>
+                            <p:childTnLst>
+                              <p:par>
+                                <p:cTn id="33" presetID="1" presetClass="entr" presetSubtype="0" fill="hold" nodeType="clickEffect">
+                                  <p:stCondLst>
+                                    <p:cond delay="0"/>
+                                  </p:stCondLst>
+                                  <p:childTnLst>
+                                    <p:set>
+                                      <p:cBhvr>
+                                        <p:cTn id="34" dur="1" fill="hold">
+                                          <p:stCondLst>
+                                            <p:cond delay="0"/>
+                                          </p:stCondLst>
+                                        </p:cTn>
+                                        <p:tgtEl>
+                                          <p:spTgt spid="3">
+                                            <p:txEl>
+                                              <p:pRg st="7" end="7"/>
+                                            </p:txEl>
+                                          </p:spTgt>
+                                        </p:tgtEl>
+                                        <p:attrNameLst>
+                                          <p:attrName>style.visibility</p:attrName>
+                                        </p:attrNameLst>
+                                      </p:cBhvr>
+                                      <p:to>
+                                        <p:strVal val="visible"/>
+                                      </p:to>
+                                    </p:set>
+                                  </p:childTnLst>
+                                </p:cTn>
+                              </p:par>
+                              <p:par>
+                                <p:cTn id="35" presetID="1" presetClass="entr" presetSubtype="0" fill="hold" nodeType="withEffect">
+                                  <p:stCondLst>
+                                    <p:cond delay="0"/>
+                                  </p:stCondLst>
+                                  <p:childTnLst>
+                                    <p:set>
+                                      <p:cBhvr>
+                                        <p:cTn id="36" dur="1" fill="hold">
+                                          <p:stCondLst>
+                                            <p:cond delay="0"/>
+                                          </p:stCondLst>
+                                        </p:cTn>
+                                        <p:tgtEl>
+                                          <p:spTgt spid="3">
+                                            <p:txEl>
+                                              <p:pRg st="8" end="8"/>
+                                            </p:txEl>
+                                          </p:spTgt>
+                                        </p:tgtEl>
+                                        <p:attrNameLst>
+                                          <p:attrName>style.visibility</p:attrName>
+                                        </p:attrNameLst>
+                                      </p:cBhvr>
+                                      <p:to>
+                                        <p:strVal val="visible"/>
+                                      </p:to>
+                                    </p:set>
+                                  </p:childTnLst>
+                                </p:cTn>
+                              </p:par>
+                            </p:childTnLst>
+                          </p:cTn>
+                        </p:par>
+                      </p:childTnLst>
+                    </p:cTn>
+                  </p:par>
+                </p:childTnLst>
+              </p:cTn>
+              <p:prevCondLst>
+                <p:cond evt="onPrev" delay="0">
+                  <p:tgtEl>
+                    <p:sldTgt/>
+                  </p:tgtEl>
+                </p:cond>
+              </p:prevCondLst>
+              <p:nextCondLst>
+                <p:cond evt="onNext" delay="0">
+                  <p:tgtEl>
+                    <p:sldTgt/>
+                  </p:tgtEl>
+                </p:cond>
+              </p:nextCondLst>
+            </p:seq>
+          </p:childTnLst>
+        </p:cTn>
+      </p:par>
+    </p:tnLst>
+  </p:timing>
+</p:sld>
+</file>
+
+<file path=ppt/slides/slide9.xml><?xml version="1.0" encoding="utf-8"?>
+<p:sld xmlns:a="http://schemas.openxmlformats.org/drawingml/2006/main" xmlns:r="http://schemas.openxmlformats.org/officeDocument/2006/relationships" xmlns:p="http://schemas.openxmlformats.org/presentationml/2006/main">
+  <p:cSld>
+    <p:spTree>
+      <p:nvGrpSpPr>
+        <p:cNvPr id="1" name=""/>
+        <p:cNvGrpSpPr/>
+        <p:nvPr/>
+      </p:nvGrpSpPr>
+      <p:grpSpPr>
+        <a:xfrm>
+          <a:off x="0" y="0"/>
+          <a:ext cx="0" cy="0"/>
+          <a:chOff x="0" y="0"/>
+          <a:chExt cx="0" cy="0"/>
+        </a:xfrm>
+      </p:grpSpPr>
+      <p:sp>
+        <p:nvSpPr>
+          <p:cNvPr id="2" name="Title 1">
+            <a:extLst>
+              <a:ext uri="{FF2B5EF4-FFF2-40B4-BE49-F238E27FC236}">
+                <a16:creationId xmlns:a16="http://schemas.microsoft.com/office/drawing/2014/main" id="{72B6B0D9-9176-5337-8CB4-27DAE04B686B}"/>
+              </a:ext>
+            </a:extLst>
+          </p:cNvPr>
+          <p:cNvSpPr>
+            <a:spLocks noGrp="1"/>
+          </p:cNvSpPr>
+          <p:nvPr>
+            <p:ph type="title"/>
+          </p:nvPr>
+        </p:nvSpPr>
+        <p:spPr/>
+        <p:txBody>
+          <a:bodyPr/>
+          <a:lstStyle/>
+          <a:p>
+            <a:r>
+              <a:rPr lang="en-US" dirty="0"/>
+              <a:t>Git Etiquette (</a:t>
+            </a:r>
+            <a:r>
+              <a:rPr lang="en-US" dirty="0" err="1"/>
+              <a:t>Gitiquette</a:t>
+            </a:r>
+            <a:r>
+              <a:rPr lang="en-US" dirty="0"/>
+              <a:t>) </a:t>
+            </a:r>
+          </a:p>
+        </p:txBody>
+      </p:sp>
+      <p:sp>
+        <p:nvSpPr>
+          <p:cNvPr id="3" name="Content Placeholder 2">
+            <a:extLst>
+              <a:ext uri="{FF2B5EF4-FFF2-40B4-BE49-F238E27FC236}">
+                <a16:creationId xmlns:a16="http://schemas.microsoft.com/office/drawing/2014/main" id="{936FB4BA-F04F-8ADC-B62E-4E788DE82B0F}"/>
+              </a:ext>
+            </a:extLst>
+          </p:cNvPr>
+          <p:cNvSpPr>
+            <a:spLocks noGrp="1"/>
+          </p:cNvSpPr>
+          <p:nvPr>
+            <p:ph idx="1"/>
+          </p:nvPr>
+        </p:nvSpPr>
+        <p:spPr/>
+        <p:txBody>
+          <a:bodyPr/>
+          <a:lstStyle/>
+          <a:p>
+            <a:pPr marL="0" indent="0">
+              <a:buNone/>
+            </a:pPr>
+            <a:r>
+              <a:rPr lang="en-US" dirty="0"/>
+              <a:t>Not always relevant for smaller projects like </a:t>
+            </a:r>
+            <a:r>
+              <a:rPr lang="en-US" dirty="0" err="1"/>
+              <a:t>ERCnet</a:t>
+            </a:r>
+            <a:r>
+              <a:rPr lang="en-US" dirty="0"/>
+              <a:t>, but still good practice. </a:t>
+            </a:r>
+          </a:p>
+          <a:p>
+            <a:endParaRPr lang="en-US" dirty="0"/>
+          </a:p>
+          <a:p>
+            <a:r>
+              <a:rPr lang="en-US" dirty="0"/>
+              <a:t>Always verify locally your branch works before pushing to the repo and making a Pull Request. </a:t>
+            </a:r>
+          </a:p>
+          <a:p>
+            <a:r>
+              <a:rPr lang="en-US" dirty="0"/>
+              <a:t>Once pushed to the repo, the branch should be pulled down, reviewed and tested by another user. </a:t>
+            </a:r>
+          </a:p>
+          <a:p>
+            <a:r>
+              <a:rPr lang="en-US" dirty="0"/>
+              <a:t>Never commit (code) directly to Main. </a:t>
+            </a:r>
+          </a:p>
+          <a:p>
+            <a:r>
+              <a:rPr lang="en-US" dirty="0"/>
+              <a:t>Try not to work on the “main” branch. Whenever you’re planning to develop or make changes to code, make a new branch first (A good way to avoid this is to always check your branch before you add/commit). </a:t>
+            </a:r>
+          </a:p>
+          <a:p>
+            <a:r>
+              <a:rPr lang="en-US" dirty="0"/>
+              <a:t>Try to make branches and PR “small.”</a:t>
+            </a:r>
+          </a:p>
+          <a:p>
+            <a:r>
+              <a:rPr lang="en-US" dirty="0"/>
+              <a:t>Delete old branches after they are merged. In an ideal world, only a handful of feature/bugfix branches ever exist in the repo at any given time. </a:t>
+            </a:r>
+          </a:p>
+          <a:p>
+            <a:endParaRPr lang="en-US" dirty="0"/>
+          </a:p>
+          <a:p>
+            <a:endParaRPr lang="en-US" dirty="0"/>
+          </a:p>
+          <a:p>
+            <a:endParaRPr lang="en-US" dirty="0"/>
+          </a:p>
+        </p:txBody>
+      </p:sp>
+    </p:spTree>
+    <p:extLst>
+      <p:ext uri="{BB962C8B-B14F-4D97-AF65-F5344CB8AC3E}">
+        <p14:creationId xmlns:p14="http://schemas.microsoft.com/office/powerpoint/2010/main" val="3711600981"/>
       </p:ext>
     </p:extLst>
   </p:cSld>
